--- a/Assignment 4Presentation.pptx
+++ b/Assignment 4Presentation.pptx
@@ -142,6 +142,11 @@
       </a:defRPr>
     </a:lvl9pPr>
   </p:defaultTextStyle>
+  <p:extLst>
+    <p:ext uri="{EFAFB233-063F-42B5-8137-9DF3F51BA10A}">
+      <p15:sldGuideLst xmlns:p15="http://schemas.microsoft.com/office/powerpoint/2012/main"/>
+    </p:ext>
+  </p:extLst>
 </p:presentation>
 </file>
 
@@ -280,7 +285,7 @@
           <a:p>
             <a:fld id="{5D9BCC05-DC19-4499-9429-876461C38864}" type="datetimeFigureOut">
               <a:rPr lang="en-US" smtClean="0"/>
-              <a:t>2/24/2024</a:t>
+              <a:t>2/25/2024</a:t>
             </a:fld>
             <a:endParaRPr lang="en-US"/>
           </a:p>
@@ -478,7 +483,7 @@
           <a:p>
             <a:fld id="{5D9BCC05-DC19-4499-9429-876461C38864}" type="datetimeFigureOut">
               <a:rPr lang="en-US" smtClean="0"/>
-              <a:t>2/24/2024</a:t>
+              <a:t>2/25/2024</a:t>
             </a:fld>
             <a:endParaRPr lang="en-US"/>
           </a:p>
@@ -686,7 +691,7 @@
           <a:p>
             <a:fld id="{5D9BCC05-DC19-4499-9429-876461C38864}" type="datetimeFigureOut">
               <a:rPr lang="en-US" smtClean="0"/>
-              <a:t>2/24/2024</a:t>
+              <a:t>2/25/2024</a:t>
             </a:fld>
             <a:endParaRPr lang="en-US"/>
           </a:p>
@@ -2929,7 +2934,7 @@
           <a:p>
             <a:fld id="{5D9BCC05-DC19-4499-9429-876461C38864}" type="datetimeFigureOut">
               <a:rPr lang="en-US" smtClean="0"/>
-              <a:t>2/24/2024</a:t>
+              <a:t>2/25/2024</a:t>
             </a:fld>
             <a:endParaRPr lang="en-US"/>
           </a:p>
@@ -5150,7 +5155,7 @@
           <a:p>
             <a:fld id="{5D9BCC05-DC19-4499-9429-876461C38864}" type="datetimeFigureOut">
               <a:rPr lang="en-US" smtClean="0"/>
-              <a:t>2/24/2024</a:t>
+              <a:t>2/25/2024</a:t>
             </a:fld>
             <a:endParaRPr lang="en-US"/>
           </a:p>
@@ -7837,7 +7842,7 @@
           <a:p>
             <a:fld id="{5D9BCC05-DC19-4499-9429-876461C38864}" type="datetimeFigureOut">
               <a:rPr lang="en-US" smtClean="0"/>
-              <a:t>2/24/2024</a:t>
+              <a:t>2/25/2024</a:t>
             </a:fld>
             <a:endParaRPr lang="en-US"/>
           </a:p>
@@ -10897,7 +10902,7 @@
           <a:p>
             <a:fld id="{5D9BCC05-DC19-4499-9429-876461C38864}" type="datetimeFigureOut">
               <a:rPr lang="en-US" smtClean="0"/>
-              <a:t>2/24/2024</a:t>
+              <a:t>2/25/2024</a:t>
             </a:fld>
             <a:endParaRPr lang="en-US"/>
           </a:p>
@@ -12361,7 +12366,7 @@
           <a:p>
             <a:fld id="{5D9BCC05-DC19-4499-9429-876461C38864}" type="datetimeFigureOut">
               <a:rPr lang="en-US" smtClean="0"/>
-              <a:t>2/24/2024</a:t>
+              <a:t>2/25/2024</a:t>
             </a:fld>
             <a:endParaRPr lang="en-US"/>
           </a:p>
@@ -12486,7 +12491,7 @@
           <a:p>
             <a:fld id="{5D9BCC05-DC19-4499-9429-876461C38864}" type="datetimeFigureOut">
               <a:rPr lang="en-US" smtClean="0"/>
-              <a:t>2/24/2024</a:t>
+              <a:t>2/25/2024</a:t>
             </a:fld>
             <a:endParaRPr lang="en-US"/>
           </a:p>
@@ -12791,7 +12796,7 @@
           <a:p>
             <a:fld id="{5D9BCC05-DC19-4499-9429-876461C38864}" type="datetimeFigureOut">
               <a:rPr lang="en-US" smtClean="0"/>
-              <a:t>2/24/2024</a:t>
+              <a:t>2/25/2024</a:t>
             </a:fld>
             <a:endParaRPr lang="en-US"/>
           </a:p>
@@ -13077,7 +13082,7 @@
           <a:p>
             <a:fld id="{5D9BCC05-DC19-4499-9429-876461C38864}" type="datetimeFigureOut">
               <a:rPr lang="en-US" smtClean="0"/>
-              <a:t>2/24/2024</a:t>
+              <a:t>2/25/2024</a:t>
             </a:fld>
             <a:endParaRPr lang="en-US"/>
           </a:p>
@@ -13863,7 +13868,7 @@
           <a:p>
             <a:fld id="{5D9BCC05-DC19-4499-9429-876461C38864}" type="datetimeFigureOut">
               <a:rPr lang="en-US" smtClean="0"/>
-              <a:t>2/24/2024</a:t>
+              <a:t>2/25/2024</a:t>
             </a:fld>
             <a:endParaRPr lang="en-US"/>
           </a:p>
@@ -18625,12 +18630,47 @@
           </a:p>
         </p:txBody>
       </p:sp>
+      <p:sp>
+        <p:nvSpPr>
+          <p:cNvPr id="4" name="Slide Number Placeholder 3">
+            <a:extLst>
+              <a:ext uri="{FF2B5EF4-FFF2-40B4-BE49-F238E27FC236}">
+                <a16:creationId xmlns:a16="http://schemas.microsoft.com/office/drawing/2014/main" id="{A7A590CC-2951-E418-06BA-101FA1FB92E2}"/>
+              </a:ext>
+            </a:extLst>
+          </p:cNvPr>
+          <p:cNvSpPr>
+            <a:spLocks noGrp="1"/>
+          </p:cNvSpPr>
+          <p:nvPr>
+            <p:ph type="sldNum" sz="quarter" idx="10"/>
+          </p:nvPr>
+        </p:nvSpPr>
+        <p:spPr/>
+        <p:txBody>
+          <a:bodyPr/>
+          <a:lstStyle/>
+          <a:p>
+            <a:pPr>
+              <a:defRPr/>
+            </a:pPr>
+            <a:fld id="{21A022F2-4BF0-FB49-A343-CD1C0FFD503E}" type="slidenum">
+              <a:rPr lang="ko-KR" altLang="en-US" smtClean="0"/>
+              <a:pPr>
+                <a:defRPr/>
+              </a:pPr>
+              <a:t>5</a:t>
+            </a:fld>
+            <a:endParaRPr lang="en-US" altLang="ko-KR"/>
+          </a:p>
+        </p:txBody>
+      </p:sp>
       <p:pic>
         <p:nvPicPr>
-          <p:cNvPr id="6" name="Content Placeholder 5">
+          <p:cNvPr id="10" name="Content Placeholder 9" descr="A screenshot of a computer screen&#10;&#10;Description automatically generated">
             <a:extLst>
               <a:ext uri="{FF2B5EF4-FFF2-40B4-BE49-F238E27FC236}">
-                <a16:creationId xmlns:a16="http://schemas.microsoft.com/office/drawing/2014/main" id="{1145D47E-2050-24C5-3995-272AB0139A01}"/>
+                <a16:creationId xmlns:a16="http://schemas.microsoft.com/office/drawing/2014/main" id="{7D806E53-9CBC-A944-D64D-634A3148DDA6}"/>
               </a:ext>
             </a:extLst>
           </p:cNvPr>
@@ -18655,46 +18695,11 @@
         </p:blipFill>
         <p:spPr>
           <a:xfrm>
-            <a:off x="2758663" y="1295401"/>
-            <a:ext cx="6136791" cy="5257800"/>
+            <a:off x="3396735" y="1295400"/>
+            <a:ext cx="5398530" cy="5257800"/>
           </a:xfrm>
         </p:spPr>
       </p:pic>
-      <p:sp>
-        <p:nvSpPr>
-          <p:cNvPr id="4" name="Slide Number Placeholder 3">
-            <a:extLst>
-              <a:ext uri="{FF2B5EF4-FFF2-40B4-BE49-F238E27FC236}">
-                <a16:creationId xmlns:a16="http://schemas.microsoft.com/office/drawing/2014/main" id="{A7A590CC-2951-E418-06BA-101FA1FB92E2}"/>
-              </a:ext>
-            </a:extLst>
-          </p:cNvPr>
-          <p:cNvSpPr>
-            <a:spLocks noGrp="1"/>
-          </p:cNvSpPr>
-          <p:nvPr>
-            <p:ph type="sldNum" sz="quarter" idx="10"/>
-          </p:nvPr>
-        </p:nvSpPr>
-        <p:spPr/>
-        <p:txBody>
-          <a:bodyPr/>
-          <a:lstStyle/>
-          <a:p>
-            <a:pPr>
-              <a:defRPr/>
-            </a:pPr>
-            <a:fld id="{21A022F2-4BF0-FB49-A343-CD1C0FFD503E}" type="slidenum">
-              <a:rPr lang="ko-KR" altLang="en-US" smtClean="0"/>
-              <a:pPr>
-                <a:defRPr/>
-              </a:pPr>
-              <a:t>5</a:t>
-            </a:fld>
-            <a:endParaRPr lang="en-US" altLang="ko-KR"/>
-          </a:p>
-        </p:txBody>
-      </p:sp>
     </p:spTree>
     <p:extLst>
       <p:ext uri="{BB962C8B-B14F-4D97-AF65-F5344CB8AC3E}">

--- a/Assignment 4Presentation.pptx
+++ b/Assignment 4Presentation.pptx
@@ -14,6 +14,7 @@
     <p:sldId id="257" r:id="rId8"/>
     <p:sldId id="259" r:id="rId9"/>
     <p:sldId id="260" r:id="rId10"/>
+    <p:sldId id="261" r:id="rId11"/>
   </p:sldIdLst>
   <p:sldSz cx="12192000" cy="6858000"/>
   <p:notesSz cx="6858000" cy="9144000"/>
@@ -285,7 +286,7 @@
           <a:p>
             <a:fld id="{5D9BCC05-DC19-4499-9429-876461C38864}" type="datetimeFigureOut">
               <a:rPr lang="en-US" smtClean="0"/>
-              <a:t>2/25/2024</a:t>
+              <a:t>3/4/2024</a:t>
             </a:fld>
             <a:endParaRPr lang="en-US"/>
           </a:p>
@@ -483,7 +484,7 @@
           <a:p>
             <a:fld id="{5D9BCC05-DC19-4499-9429-876461C38864}" type="datetimeFigureOut">
               <a:rPr lang="en-US" smtClean="0"/>
-              <a:t>2/25/2024</a:t>
+              <a:t>3/4/2024</a:t>
             </a:fld>
             <a:endParaRPr lang="en-US"/>
           </a:p>
@@ -691,7 +692,7 @@
           <a:p>
             <a:fld id="{5D9BCC05-DC19-4499-9429-876461C38864}" type="datetimeFigureOut">
               <a:rPr lang="en-US" smtClean="0"/>
-              <a:t>2/25/2024</a:t>
+              <a:t>3/4/2024</a:t>
             </a:fld>
             <a:endParaRPr lang="en-US"/>
           </a:p>
@@ -2934,7 +2935,7 @@
           <a:p>
             <a:fld id="{5D9BCC05-DC19-4499-9429-876461C38864}" type="datetimeFigureOut">
               <a:rPr lang="en-US" smtClean="0"/>
-              <a:t>2/25/2024</a:t>
+              <a:t>3/4/2024</a:t>
             </a:fld>
             <a:endParaRPr lang="en-US"/>
           </a:p>
@@ -5155,7 +5156,7 @@
           <a:p>
             <a:fld id="{5D9BCC05-DC19-4499-9429-876461C38864}" type="datetimeFigureOut">
               <a:rPr lang="en-US" smtClean="0"/>
-              <a:t>2/25/2024</a:t>
+              <a:t>3/4/2024</a:t>
             </a:fld>
             <a:endParaRPr lang="en-US"/>
           </a:p>
@@ -7842,7 +7843,7 @@
           <a:p>
             <a:fld id="{5D9BCC05-DC19-4499-9429-876461C38864}" type="datetimeFigureOut">
               <a:rPr lang="en-US" smtClean="0"/>
-              <a:t>2/25/2024</a:t>
+              <a:t>3/4/2024</a:t>
             </a:fld>
             <a:endParaRPr lang="en-US"/>
           </a:p>
@@ -10902,7 +10903,7 @@
           <a:p>
             <a:fld id="{5D9BCC05-DC19-4499-9429-876461C38864}" type="datetimeFigureOut">
               <a:rPr lang="en-US" smtClean="0"/>
-              <a:t>2/25/2024</a:t>
+              <a:t>3/4/2024</a:t>
             </a:fld>
             <a:endParaRPr lang="en-US"/>
           </a:p>
@@ -12366,7 +12367,7 @@
           <a:p>
             <a:fld id="{5D9BCC05-DC19-4499-9429-876461C38864}" type="datetimeFigureOut">
               <a:rPr lang="en-US" smtClean="0"/>
-              <a:t>2/25/2024</a:t>
+              <a:t>3/4/2024</a:t>
             </a:fld>
             <a:endParaRPr lang="en-US"/>
           </a:p>
@@ -12491,7 +12492,7 @@
           <a:p>
             <a:fld id="{5D9BCC05-DC19-4499-9429-876461C38864}" type="datetimeFigureOut">
               <a:rPr lang="en-US" smtClean="0"/>
-              <a:t>2/25/2024</a:t>
+              <a:t>3/4/2024</a:t>
             </a:fld>
             <a:endParaRPr lang="en-US"/>
           </a:p>
@@ -12796,7 +12797,7 @@
           <a:p>
             <a:fld id="{5D9BCC05-DC19-4499-9429-876461C38864}" type="datetimeFigureOut">
               <a:rPr lang="en-US" smtClean="0"/>
-              <a:t>2/25/2024</a:t>
+              <a:t>3/4/2024</a:t>
             </a:fld>
             <a:endParaRPr lang="en-US"/>
           </a:p>
@@ -13082,7 +13083,7 @@
           <a:p>
             <a:fld id="{5D9BCC05-DC19-4499-9429-876461C38864}" type="datetimeFigureOut">
               <a:rPr lang="en-US" smtClean="0"/>
-              <a:t>2/25/2024</a:t>
+              <a:t>3/4/2024</a:t>
             </a:fld>
             <a:endParaRPr lang="en-US"/>
           </a:p>
@@ -13868,7 +13869,7 @@
           <a:p>
             <a:fld id="{5D9BCC05-DC19-4499-9429-876461C38864}" type="datetimeFigureOut">
               <a:rPr lang="en-US" smtClean="0"/>
-              <a:t>2/25/2024</a:t>
+              <a:t>3/4/2024</a:t>
             </a:fld>
             <a:endParaRPr lang="en-US"/>
           </a:p>
@@ -18704,6 +18705,148 @@
     <p:extLst>
       <p:ext uri="{BB962C8B-B14F-4D97-AF65-F5344CB8AC3E}">
         <p14:creationId xmlns:p14="http://schemas.microsoft.com/office/powerpoint/2010/main" val="2192881537"/>
+      </p:ext>
+    </p:extLst>
+  </p:cSld>
+  <p:clrMapOvr>
+    <a:masterClrMapping/>
+  </p:clrMapOvr>
+</p:sld>
+</file>
+
+<file path=ppt/slides/slide6.xml><?xml version="1.0" encoding="utf-8"?>
+<p:sld xmlns:a="http://schemas.openxmlformats.org/drawingml/2006/main" xmlns:r="http://schemas.openxmlformats.org/officeDocument/2006/relationships" xmlns:p="http://schemas.openxmlformats.org/presentationml/2006/main">
+  <p:cSld>
+    <p:spTree>
+      <p:nvGrpSpPr>
+        <p:cNvPr id="1" name=""/>
+        <p:cNvGrpSpPr/>
+        <p:nvPr/>
+      </p:nvGrpSpPr>
+      <p:grpSpPr>
+        <a:xfrm>
+          <a:off x="0" y="0"/>
+          <a:ext cx="0" cy="0"/>
+          <a:chOff x="0" y="0"/>
+          <a:chExt cx="0" cy="0"/>
+        </a:xfrm>
+      </p:grpSpPr>
+      <p:sp>
+        <p:nvSpPr>
+          <p:cNvPr id="2" name="Title 1">
+            <a:extLst>
+              <a:ext uri="{FF2B5EF4-FFF2-40B4-BE49-F238E27FC236}">
+                <a16:creationId xmlns:a16="http://schemas.microsoft.com/office/drawing/2014/main" id="{A52663CC-5543-6926-0EAC-752AD30F3329}"/>
+              </a:ext>
+            </a:extLst>
+          </p:cNvPr>
+          <p:cNvSpPr>
+            <a:spLocks noGrp="1"/>
+          </p:cNvSpPr>
+          <p:nvPr>
+            <p:ph type="title"/>
+          </p:nvPr>
+        </p:nvSpPr>
+        <p:spPr/>
+        <p:txBody>
+          <a:bodyPr/>
+          <a:lstStyle/>
+          <a:p>
+            <a:r>
+              <a:rPr lang="en-US"/>
+              <a:t>Hash Table Design</a:t>
+            </a:r>
+          </a:p>
+        </p:txBody>
+      </p:sp>
+      <p:sp>
+        <p:nvSpPr>
+          <p:cNvPr id="4" name="Slide Number Placeholder 3">
+            <a:extLst>
+              <a:ext uri="{FF2B5EF4-FFF2-40B4-BE49-F238E27FC236}">
+                <a16:creationId xmlns:a16="http://schemas.microsoft.com/office/drawing/2014/main" id="{8C91B887-9CF9-A301-D8AE-C2C5F7C2E101}"/>
+              </a:ext>
+            </a:extLst>
+          </p:cNvPr>
+          <p:cNvSpPr>
+            <a:spLocks noGrp="1"/>
+          </p:cNvSpPr>
+          <p:nvPr>
+            <p:ph type="sldNum" sz="quarter" idx="10"/>
+          </p:nvPr>
+        </p:nvSpPr>
+        <p:spPr/>
+        <p:txBody>
+          <a:bodyPr/>
+          <a:lstStyle/>
+          <a:p>
+            <a:pPr>
+              <a:defRPr/>
+            </a:pPr>
+            <a:fld id="{21A022F2-4BF0-FB49-A343-CD1C0FFD503E}" type="slidenum">
+              <a:rPr lang="ko-KR" altLang="en-US" smtClean="0"/>
+              <a:pPr>
+                <a:defRPr/>
+              </a:pPr>
+              <a:t>6</a:t>
+            </a:fld>
+            <a:endParaRPr lang="en-US" altLang="ko-KR"/>
+          </a:p>
+        </p:txBody>
+      </p:sp>
+      <p:pic>
+        <p:nvPicPr>
+          <p:cNvPr id="5" name="Picture 8">
+            <a:extLst>
+              <a:ext uri="{FF2B5EF4-FFF2-40B4-BE49-F238E27FC236}">
+                <a16:creationId xmlns:a16="http://schemas.microsoft.com/office/drawing/2014/main" id="{4F136B1C-7196-CC4C-FFC2-2923391558C6}"/>
+              </a:ext>
+            </a:extLst>
+          </p:cNvPr>
+          <p:cNvPicPr>
+            <a:picLocks noGrp="1" noChangeAspect="1" noChangeArrowheads="1"/>
+          </p:cNvPicPr>
+          <p:nvPr>
+            <p:ph idx="1"/>
+          </p:nvPr>
+        </p:nvPicPr>
+        <p:blipFill>
+          <a:blip r:embed="rId2">
+            <a:extLst>
+              <a:ext uri="{28A0092B-C50C-407E-A947-70E740481C1C}">
+                <a14:useLocalDpi xmlns:a14="http://schemas.microsoft.com/office/drawing/2010/main" val="0"/>
+              </a:ext>
+            </a:extLst>
+          </a:blip>
+          <a:srcRect/>
+          <a:stretch>
+            <a:fillRect/>
+          </a:stretch>
+        </p:blipFill>
+        <p:spPr bwMode="auto">
+          <a:xfrm>
+            <a:off x="609600" y="1892816"/>
+            <a:ext cx="10972800" cy="4062967"/>
+          </a:xfrm>
+          <a:prstGeom prst="rect">
+            <a:avLst/>
+          </a:prstGeom>
+          <a:noFill/>
+          <a:extLst>
+            <a:ext uri="{909E8E84-426E-40DD-AFC4-6F175D3DCCD1}">
+              <a14:hiddenFill xmlns:a14="http://schemas.microsoft.com/office/drawing/2010/main">
+                <a:solidFill>
+                  <a:srgbClr val="FFFFFF"/>
+                </a:solidFill>
+              </a14:hiddenFill>
+            </a:ext>
+          </a:extLst>
+        </p:spPr>
+      </p:pic>
+    </p:spTree>
+    <p:extLst>
+      <p:ext uri="{BB962C8B-B14F-4D97-AF65-F5344CB8AC3E}">
+        <p14:creationId xmlns:p14="http://schemas.microsoft.com/office/powerpoint/2010/main" val="1448071574"/>
       </p:ext>
     </p:extLst>
   </p:cSld>

--- a/Assignment 4Presentation.pptx
+++ b/Assignment 4Presentation.pptx
@@ -14,7 +14,8 @@
     <p:sldId id="257" r:id="rId8"/>
     <p:sldId id="259" r:id="rId9"/>
     <p:sldId id="260" r:id="rId10"/>
-    <p:sldId id="261" r:id="rId11"/>
+    <p:sldId id="262" r:id="rId11"/>
+    <p:sldId id="261" r:id="rId12"/>
   </p:sldIdLst>
   <p:sldSz cx="12192000" cy="6858000"/>
   <p:notesSz cx="6858000" cy="9144000"/>
@@ -18736,7 +18737,7 @@
           <p:cNvPr id="2" name="Title 1">
             <a:extLst>
               <a:ext uri="{FF2B5EF4-FFF2-40B4-BE49-F238E27FC236}">
-                <a16:creationId xmlns:a16="http://schemas.microsoft.com/office/drawing/2014/main" id="{A52663CC-5543-6926-0EAC-752AD30F3329}"/>
+                <a16:creationId xmlns:a16="http://schemas.microsoft.com/office/drawing/2014/main" id="{66857318-6D03-53A7-A770-9E5A07E44AB5}"/>
               </a:ext>
             </a:extLst>
           </p:cNvPr>
@@ -18753,8 +18754,8 @@
           <a:lstStyle/>
           <a:p>
             <a:r>
-              <a:rPr lang="en-US"/>
-              <a:t>Hash Table Design</a:t>
+              <a:rPr lang="en-US" dirty="0"/>
+              <a:t>Inventory Context</a:t>
             </a:r>
           </a:p>
         </p:txBody>
@@ -18764,7 +18765,7 @@
           <p:cNvPr id="4" name="Slide Number Placeholder 3">
             <a:extLst>
               <a:ext uri="{FF2B5EF4-FFF2-40B4-BE49-F238E27FC236}">
-                <a16:creationId xmlns:a16="http://schemas.microsoft.com/office/drawing/2014/main" id="{8C91B887-9CF9-A301-D8AE-C2C5F7C2E101}"/>
+                <a16:creationId xmlns:a16="http://schemas.microsoft.com/office/drawing/2014/main" id="{5E521427-108D-9199-B5E1-364AF612FA0A}"/>
               </a:ext>
             </a:extLst>
           </p:cNvPr>
@@ -18789,6 +18790,146 @@
                 <a:defRPr/>
               </a:pPr>
               <a:t>6</a:t>
+            </a:fld>
+            <a:endParaRPr lang="en-US" altLang="ko-KR"/>
+          </a:p>
+        </p:txBody>
+      </p:sp>
+      <p:pic>
+        <p:nvPicPr>
+          <p:cNvPr id="5" name="Picture 4">
+            <a:extLst>
+              <a:ext uri="{FF2B5EF4-FFF2-40B4-BE49-F238E27FC236}">
+                <a16:creationId xmlns:a16="http://schemas.microsoft.com/office/drawing/2014/main" id="{48A2F412-5EA3-6700-67B6-C137ED62AAC0}"/>
+              </a:ext>
+            </a:extLst>
+          </p:cNvPr>
+          <p:cNvPicPr>
+            <a:picLocks noChangeAspect="1" noChangeArrowheads="1"/>
+          </p:cNvPicPr>
+          <p:nvPr/>
+        </p:nvPicPr>
+        <p:blipFill>
+          <a:blip r:embed="rId2">
+            <a:extLst>
+              <a:ext uri="{28A0092B-C50C-407E-A947-70E740481C1C}">
+                <a14:useLocalDpi xmlns:a14="http://schemas.microsoft.com/office/drawing/2010/main" val="0"/>
+              </a:ext>
+            </a:extLst>
+          </a:blip>
+          <a:srcRect/>
+          <a:stretch>
+            <a:fillRect/>
+          </a:stretch>
+        </p:blipFill>
+        <p:spPr bwMode="auto">
+          <a:xfrm>
+            <a:off x="898851" y="1112632"/>
+            <a:ext cx="9987897" cy="5745368"/>
+          </a:xfrm>
+          <a:prstGeom prst="rect">
+            <a:avLst/>
+          </a:prstGeom>
+          <a:noFill/>
+          <a:extLst>
+            <a:ext uri="{909E8E84-426E-40DD-AFC4-6F175D3DCCD1}">
+              <a14:hiddenFill xmlns:a14="http://schemas.microsoft.com/office/drawing/2010/main">
+                <a:solidFill>
+                  <a:srgbClr val="FFFFFF"/>
+                </a:solidFill>
+              </a14:hiddenFill>
+            </a:ext>
+          </a:extLst>
+        </p:spPr>
+      </p:pic>
+    </p:spTree>
+    <p:extLst>
+      <p:ext uri="{BB962C8B-B14F-4D97-AF65-F5344CB8AC3E}">
+        <p14:creationId xmlns:p14="http://schemas.microsoft.com/office/powerpoint/2010/main" val="612786921"/>
+      </p:ext>
+    </p:extLst>
+  </p:cSld>
+  <p:clrMapOvr>
+    <a:masterClrMapping/>
+  </p:clrMapOvr>
+</p:sld>
+</file>
+
+<file path=ppt/slides/slide7.xml><?xml version="1.0" encoding="utf-8"?>
+<p:sld xmlns:a="http://schemas.openxmlformats.org/drawingml/2006/main" xmlns:r="http://schemas.openxmlformats.org/officeDocument/2006/relationships" xmlns:p="http://schemas.openxmlformats.org/presentationml/2006/main">
+  <p:cSld>
+    <p:spTree>
+      <p:nvGrpSpPr>
+        <p:cNvPr id="1" name=""/>
+        <p:cNvGrpSpPr/>
+        <p:nvPr/>
+      </p:nvGrpSpPr>
+      <p:grpSpPr>
+        <a:xfrm>
+          <a:off x="0" y="0"/>
+          <a:ext cx="0" cy="0"/>
+          <a:chOff x="0" y="0"/>
+          <a:chExt cx="0" cy="0"/>
+        </a:xfrm>
+      </p:grpSpPr>
+      <p:sp>
+        <p:nvSpPr>
+          <p:cNvPr id="2" name="Title 1">
+            <a:extLst>
+              <a:ext uri="{FF2B5EF4-FFF2-40B4-BE49-F238E27FC236}">
+                <a16:creationId xmlns:a16="http://schemas.microsoft.com/office/drawing/2014/main" id="{A52663CC-5543-6926-0EAC-752AD30F3329}"/>
+              </a:ext>
+            </a:extLst>
+          </p:cNvPr>
+          <p:cNvSpPr>
+            <a:spLocks noGrp="1"/>
+          </p:cNvSpPr>
+          <p:nvPr>
+            <p:ph type="title"/>
+          </p:nvPr>
+        </p:nvSpPr>
+        <p:spPr/>
+        <p:txBody>
+          <a:bodyPr/>
+          <a:lstStyle/>
+          <a:p>
+            <a:r>
+              <a:rPr lang="en-US"/>
+              <a:t>Hash Table Design</a:t>
+            </a:r>
+          </a:p>
+        </p:txBody>
+      </p:sp>
+      <p:sp>
+        <p:nvSpPr>
+          <p:cNvPr id="4" name="Slide Number Placeholder 3">
+            <a:extLst>
+              <a:ext uri="{FF2B5EF4-FFF2-40B4-BE49-F238E27FC236}">
+                <a16:creationId xmlns:a16="http://schemas.microsoft.com/office/drawing/2014/main" id="{8C91B887-9CF9-A301-D8AE-C2C5F7C2E101}"/>
+              </a:ext>
+            </a:extLst>
+          </p:cNvPr>
+          <p:cNvSpPr>
+            <a:spLocks noGrp="1"/>
+          </p:cNvSpPr>
+          <p:nvPr>
+            <p:ph type="sldNum" sz="quarter" idx="10"/>
+          </p:nvPr>
+        </p:nvSpPr>
+        <p:spPr/>
+        <p:txBody>
+          <a:bodyPr/>
+          <a:lstStyle/>
+          <a:p>
+            <a:pPr>
+              <a:defRPr/>
+            </a:pPr>
+            <a:fld id="{21A022F2-4BF0-FB49-A343-CD1C0FFD503E}" type="slidenum">
+              <a:rPr lang="ko-KR" altLang="en-US" smtClean="0"/>
+              <a:pPr>
+                <a:defRPr/>
+              </a:pPr>
+              <a:t>7</a:t>
             </a:fld>
             <a:endParaRPr lang="en-US" altLang="ko-KR"/>
           </a:p>
